--- a/Презентация.pptx
+++ b/Презентация.pptx
@@ -3050,7 +3050,7 @@
               </a:spcAft>
               <a:buNone/>
             </a:pPr>
-            <a:endParaRPr/>
+            <a:endParaRPr dirty="0"/>
           </a:p>
         </p:txBody>
       </p:sp>
@@ -13138,7 +13138,7 @@
         </p:nvSpPr>
         <p:spPr>
           <a:xfrm>
-            <a:off x="755574" y="764700"/>
+            <a:off x="755574" y="627540"/>
             <a:ext cx="5178000" cy="1358549"/>
           </a:xfrm>
           <a:prstGeom prst="rect">
@@ -13211,11 +13211,59 @@
           </a:p>
         </p:txBody>
       </p:sp>
+      <p:pic>
+        <p:nvPicPr>
+          <p:cNvPr id="1032" name="Picture 8" descr="Функциональное тестирование веб-приложений — Лаборатория Качества"/>
+          <p:cNvPicPr>
+            <a:picLocks noChangeAspect="1" noChangeArrowheads="1"/>
+          </p:cNvPicPr>
+          <p:nvPr/>
+        </p:nvPicPr>
+        <p:blipFill>
+          <a:blip r:embed="rId4">
+            <a:extLst>
+              <a:ext uri="{28A0092B-C50C-407E-A947-70E740481C1C}">
+                <a14:useLocalDpi xmlns:a14="http://schemas.microsoft.com/office/drawing/2010/main" val="0"/>
+              </a:ext>
+            </a:extLst>
+          </a:blip>
+          <a:srcRect/>
+          <a:stretch>
+            <a:fillRect/>
+          </a:stretch>
+        </p:blipFill>
+        <p:spPr bwMode="auto">
+          <a:xfrm>
+            <a:off x="3419856" y="2304287"/>
+            <a:ext cx="3270525" cy="3655579"/>
+          </a:xfrm>
+          <a:prstGeom prst="rect">
+            <a:avLst/>
+          </a:prstGeom>
+          <a:noFill/>
+          <a:extLst>
+            <a:ext uri="{909E8E84-426E-40DD-AFC4-6F175D3DCCD1}">
+              <a14:hiddenFill xmlns:a14="http://schemas.microsoft.com/office/drawing/2010/main">
+                <a:solidFill>
+                  <a:srgbClr val="FFFFFF"/>
+                </a:solidFill>
+              </a14:hiddenFill>
+            </a:ext>
+          </a:extLst>
+        </p:spPr>
+      </p:pic>
     </p:spTree>
   </p:cSld>
   <p:clrMapOvr>
     <a:masterClrMapping/>
   </p:clrMapOvr>
+  <p:timing>
+    <p:tnLst>
+      <p:par>
+        <p:cTn id="1" dur="indefinite" restart="never" nodeType="tmRoot"/>
+      </p:par>
+    </p:tnLst>
+  </p:timing>
 </p:sld>
 </file>
 
@@ -13772,7 +13820,7 @@
         </p:blipFill>
         <p:spPr>
           <a:xfrm>
-            <a:off x="6099048" y="2855214"/>
+            <a:off x="6254496" y="3166110"/>
             <a:ext cx="2002536" cy="2503170"/>
           </a:xfrm>
           <a:prstGeom prst="rect">
@@ -13785,6 +13833,13 @@
   <p:clrMapOvr>
     <a:masterClrMapping/>
   </p:clrMapOvr>
+  <p:timing>
+    <p:tnLst>
+      <p:par>
+        <p:cTn id="1" dur="indefinite" restart="never" nodeType="tmRoot"/>
+      </p:par>
+    </p:tnLst>
+  </p:timing>
 </p:sld>
 </file>
 
@@ -13886,7 +13941,7 @@
           </a:bodyPr>
           <a:lstStyle/>
           <a:p>
-            <a:pPr marL="0" lvl="0" indent="0" algn="just" rtl="0">
+            <a:pPr marL="0" lvl="0" indent="457200" algn="just" rtl="0">
               <a:lnSpc>
                 <a:spcPct val="150000"/>
               </a:lnSpc>
@@ -13909,7 +13964,7 @@
             <a:endParaRPr sz="2200" dirty="0"/>
           </a:p>
           <a:p>
-            <a:pPr marL="0" lvl="0" indent="0" algn="just" rtl="0">
+            <a:pPr marL="0" lvl="0" indent="457200" algn="just" rtl="0">
               <a:lnSpc>
                 <a:spcPct val="150000"/>
               </a:lnSpc>
@@ -14197,7 +14252,7 @@
           </a:bodyPr>
           <a:lstStyle/>
           <a:p>
-            <a:pPr marL="0" lvl="0" indent="0" algn="l" rtl="0">
+            <a:pPr marL="0" lvl="0" indent="457200" algn="l" rtl="0">
               <a:lnSpc>
                 <a:spcPct val="150000"/>
               </a:lnSpc>
@@ -14351,6 +14406,47 @@
           </a:p>
         </p:txBody>
       </p:sp>
+      <p:pic>
+        <p:nvPicPr>
+          <p:cNvPr id="2058" name="Picture 10" descr="Free Target And Goal SVG, PNG Icon, Symbol. Download Image."/>
+          <p:cNvPicPr>
+            <a:picLocks noChangeAspect="1" noChangeArrowheads="1"/>
+          </p:cNvPicPr>
+          <p:nvPr/>
+        </p:nvPicPr>
+        <p:blipFill>
+          <a:blip r:embed="rId3">
+            <a:extLst>
+              <a:ext uri="{28A0092B-C50C-407E-A947-70E740481C1C}">
+                <a14:useLocalDpi xmlns:a14="http://schemas.microsoft.com/office/drawing/2010/main" val="0"/>
+              </a:ext>
+            </a:extLst>
+          </a:blip>
+          <a:srcRect/>
+          <a:stretch>
+            <a:fillRect/>
+          </a:stretch>
+        </p:blipFill>
+        <p:spPr bwMode="auto">
+          <a:xfrm>
+            <a:off x="5831521" y="3865779"/>
+            <a:ext cx="2227517" cy="2227517"/>
+          </a:xfrm>
+          <a:prstGeom prst="rect">
+            <a:avLst/>
+          </a:prstGeom>
+          <a:noFill/>
+          <a:extLst>
+            <a:ext uri="{909E8E84-426E-40DD-AFC4-6F175D3DCCD1}">
+              <a14:hiddenFill xmlns:a14="http://schemas.microsoft.com/office/drawing/2010/main">
+                <a:solidFill>
+                  <a:srgbClr val="FFFFFF"/>
+                </a:solidFill>
+              </a14:hiddenFill>
+            </a:ext>
+          </a:extLst>
+        </p:spPr>
+      </p:pic>
     </p:spTree>
   </p:cSld>
   <p:clrMapOvr>
@@ -14440,8 +14536,8 @@
         </p:nvSpPr>
         <p:spPr>
           <a:xfrm>
-            <a:off x="467544" y="1745059"/>
-            <a:ext cx="8229600" cy="4348237"/>
+            <a:off x="683568" y="1342723"/>
+            <a:ext cx="4698816" cy="4348237"/>
           </a:xfrm>
           <a:prstGeom prst="rect">
             <a:avLst/>
@@ -14505,7 +14601,6 @@
               <a:rPr lang="ru-RU" sz="2200" dirty="0" smtClean="0"/>
               <a:t>Изучение интерфейса ПО в объёме 2 часов.</a:t>
             </a:r>
-            <a:endParaRPr lang="ru-RU" sz="2200" dirty="0" smtClean="0"/>
           </a:p>
           <a:p>
             <a:pPr marL="457200" lvl="0" indent="-368300" algn="l" rtl="0">
@@ -14650,6 +14745,47 @@
           </a:p>
         </p:txBody>
       </p:sp>
+      <p:pic>
+        <p:nvPicPr>
+          <p:cNvPr id="3074" name="Picture 2" descr="Этап – Бесплатные иконки: формы и символы"/>
+          <p:cNvPicPr>
+            <a:picLocks noChangeAspect="1" noChangeArrowheads="1"/>
+          </p:cNvPicPr>
+          <p:nvPr/>
+        </p:nvPicPr>
+        <p:blipFill>
+          <a:blip r:embed="rId3">
+            <a:extLst>
+              <a:ext uri="{28A0092B-C50C-407E-A947-70E740481C1C}">
+                <a14:useLocalDpi xmlns:a14="http://schemas.microsoft.com/office/drawing/2010/main" val="0"/>
+              </a:ext>
+            </a:extLst>
+          </a:blip>
+          <a:srcRect/>
+          <a:stretch>
+            <a:fillRect/>
+          </a:stretch>
+        </p:blipFill>
+        <p:spPr bwMode="auto">
+          <a:xfrm>
+            <a:off x="5629106" y="2450591"/>
+            <a:ext cx="2947966" cy="2947967"/>
+          </a:xfrm>
+          <a:prstGeom prst="rect">
+            <a:avLst/>
+          </a:prstGeom>
+          <a:noFill/>
+          <a:extLst>
+            <a:ext uri="{909E8E84-426E-40DD-AFC4-6F175D3DCCD1}">
+              <a14:hiddenFill xmlns:a14="http://schemas.microsoft.com/office/drawing/2010/main">
+                <a:solidFill>
+                  <a:srgbClr val="FFFFFF"/>
+                </a:solidFill>
+              </a14:hiddenFill>
+            </a:ext>
+          </a:extLst>
+        </p:spPr>
+      </p:pic>
     </p:spTree>
   </p:cSld>
   <p:clrMapOvr>
@@ -14739,8 +14875,8 @@
         </p:nvSpPr>
         <p:spPr>
           <a:xfrm>
-            <a:off x="467544" y="1745059"/>
-            <a:ext cx="8229600" cy="4348200"/>
+            <a:off x="683568" y="1406731"/>
+            <a:ext cx="4717104" cy="4348200"/>
           </a:xfrm>
           <a:prstGeom prst="rect">
             <a:avLst/>
@@ -14973,6 +15109,47 @@
           </a:p>
         </p:txBody>
       </p:sp>
+      <p:pic>
+        <p:nvPicPr>
+          <p:cNvPr id="4098" name="Picture 2" descr="Технология PNG скачать бесплатно | PNG Mart"/>
+          <p:cNvPicPr>
+            <a:picLocks noChangeAspect="1" noChangeArrowheads="1"/>
+          </p:cNvPicPr>
+          <p:nvPr/>
+        </p:nvPicPr>
+        <p:blipFill>
+          <a:blip r:embed="rId3">
+            <a:extLst>
+              <a:ext uri="{28A0092B-C50C-407E-A947-70E740481C1C}">
+                <a14:useLocalDpi xmlns:a14="http://schemas.microsoft.com/office/drawing/2010/main" val="0"/>
+              </a:ext>
+            </a:extLst>
+          </a:blip>
+          <a:srcRect/>
+          <a:stretch>
+            <a:fillRect/>
+          </a:stretch>
+        </p:blipFill>
+        <p:spPr bwMode="auto">
+          <a:xfrm>
+            <a:off x="5538325" y="1974711"/>
+            <a:ext cx="3605675" cy="2730511"/>
+          </a:xfrm>
+          <a:prstGeom prst="rect">
+            <a:avLst/>
+          </a:prstGeom>
+          <a:noFill/>
+          <a:extLst>
+            <a:ext uri="{909E8E84-426E-40DD-AFC4-6F175D3DCCD1}">
+              <a14:hiddenFill xmlns:a14="http://schemas.microsoft.com/office/drawing/2010/main">
+                <a:solidFill>
+                  <a:srgbClr val="FFFFFF"/>
+                </a:solidFill>
+              </a14:hiddenFill>
+            </a:ext>
+          </a:extLst>
+        </p:spPr>
+      </p:pic>
     </p:spTree>
   </p:cSld>
   <p:clrMapOvr>
@@ -15062,7 +15239,7 @@
         </p:nvSpPr>
         <p:spPr>
           <a:xfrm>
-            <a:off x="467544" y="1745059"/>
+            <a:off x="467600" y="1494411"/>
             <a:ext cx="8229600" cy="4348200"/>
           </a:xfrm>
           <a:prstGeom prst="rect">
@@ -15079,7 +15256,7 @@
           </a:bodyPr>
           <a:lstStyle/>
           <a:p>
-            <a:pPr marL="0" lvl="0" indent="0" algn="just" rtl="0">
+            <a:pPr marL="0" lvl="0" indent="457200" algn="just" rtl="0">
               <a:lnSpc>
                 <a:spcPct val="150000"/>
               </a:lnSpc>
@@ -15097,56 +15274,28 @@
               <a:buNone/>
             </a:pPr>
             <a:r>
-              <a:rPr lang="ru-RU" sz="2229" dirty="0"/>
-              <a:t>Во время работы над проектом </a:t>
+              <a:rPr lang="ru-RU" sz="2229" dirty="0" smtClean="0"/>
+              <a:t>Тестировщиком были получены теоретические знания в области функционального тестирования. По результатам проведённого тестирования был выделен ряд дефектов в функционале приложения</a:t>
             </a:r>
             <a:r>
-              <a:rPr lang="ru-RU" sz="2229" dirty="0" smtClean="0"/>
-              <a:t>тестировщик получил </a:t>
-            </a:r>
-            <a:r>
-              <a:rPr lang="ru-RU" sz="2229" dirty="0"/>
-              <a:t>теоретические знания и практические навыки о </a:t>
-            </a:r>
-            <a:r>
-              <a:rPr lang="ru-RU" sz="2229" dirty="0" smtClean="0"/>
-              <a:t>методах и </a:t>
-            </a:r>
-            <a:r>
-              <a:rPr lang="ru-RU" sz="2229" dirty="0"/>
-              <a:t>принципах </a:t>
-            </a:r>
-            <a:r>
-              <a:rPr lang="ru-RU" sz="2229" dirty="0" smtClean="0"/>
-              <a:t>функционального тестирования мобильных приложений</a:t>
-            </a:r>
-            <a:r>
-              <a:rPr lang="ru-RU" sz="2229" dirty="0"/>
+              <a:rPr lang="en-US" sz="2229" dirty="0" smtClean="0"/>
               <a:t>, </a:t>
             </a:r>
             <a:r>
               <a:rPr lang="ru-RU" sz="2229" dirty="0" smtClean="0"/>
-              <a:t>ведении</a:t>
+              <a:t>необходимы</a:t>
+            </a:r>
+            <a:r>
+              <a:rPr lang="ru-RU" sz="2229" dirty="0"/>
+              <a:t>й</a:t>
             </a:r>
             <a:r>
               <a:rPr lang="ru-RU" sz="2229" dirty="0" smtClean="0"/>
-              <a:t> </a:t>
-            </a:r>
-            <a:r>
-              <a:rPr lang="ru-RU" sz="2229" dirty="0"/>
-              <a:t>стратегии </a:t>
-            </a:r>
-            <a:r>
-              <a:rPr lang="ru-RU" sz="2229" dirty="0" smtClean="0"/>
-              <a:t>тестирования</a:t>
+              <a:t> для решения командой разработчиков. Большинство найденных дефектов имеют серьёзность </a:t>
             </a:r>
             <a:r>
               <a:rPr lang="en-US" sz="2229" dirty="0" smtClean="0"/>
-              <a:t>,</a:t>
-            </a:r>
-            <a:r>
-              <a:rPr lang="ru-RU" sz="2229" dirty="0" smtClean="0"/>
-              <a:t> составлении тест-кейсов и отчётов.</a:t>
+              <a:t>Critical.</a:t>
             </a:r>
             <a:endParaRPr sz="2229" dirty="0"/>
           </a:p>
@@ -15283,6 +15432,47 @@
           </a:p>
         </p:txBody>
       </p:sp>
+      <p:pic>
+        <p:nvPicPr>
+          <p:cNvPr id="5122" name="Picture 2" descr="Результат – Бесплатные иконки: файлы и папки"/>
+          <p:cNvPicPr>
+            <a:picLocks noChangeAspect="1" noChangeArrowheads="1"/>
+          </p:cNvPicPr>
+          <p:nvPr/>
+        </p:nvPicPr>
+        <p:blipFill>
+          <a:blip r:embed="rId3">
+            <a:extLst>
+              <a:ext uri="{28A0092B-C50C-407E-A947-70E740481C1C}">
+                <a14:useLocalDpi xmlns:a14="http://schemas.microsoft.com/office/drawing/2010/main" val="0"/>
+              </a:ext>
+            </a:extLst>
+          </a:blip>
+          <a:srcRect/>
+          <a:stretch>
+            <a:fillRect/>
+          </a:stretch>
+        </p:blipFill>
+        <p:spPr bwMode="auto">
+          <a:xfrm>
+            <a:off x="5863539" y="4178808"/>
+            <a:ext cx="2360091" cy="2360092"/>
+          </a:xfrm>
+          <a:prstGeom prst="rect">
+            <a:avLst/>
+          </a:prstGeom>
+          <a:noFill/>
+          <a:extLst>
+            <a:ext uri="{909E8E84-426E-40DD-AFC4-6F175D3DCCD1}">
+              <a14:hiddenFill xmlns:a14="http://schemas.microsoft.com/office/drawing/2010/main">
+                <a:solidFill>
+                  <a:srgbClr val="FFFFFF"/>
+                </a:solidFill>
+              </a14:hiddenFill>
+            </a:ext>
+          </a:extLst>
+        </p:spPr>
+      </p:pic>
     </p:spTree>
   </p:cSld>
   <p:clrMapOvr>
@@ -15372,8 +15562,8 @@
         </p:nvSpPr>
         <p:spPr>
           <a:xfrm>
-            <a:off x="467544" y="1745059"/>
-            <a:ext cx="8229600" cy="4348200"/>
+            <a:off x="477944" y="3052984"/>
+            <a:ext cx="8219256" cy="4348200"/>
           </a:xfrm>
           <a:prstGeom prst="rect">
             <a:avLst/>
@@ -15389,7 +15579,7 @@
           </a:bodyPr>
           <a:lstStyle/>
           <a:p>
-            <a:pPr marL="0" lvl="0" indent="0" algn="just" rtl="0">
+            <a:pPr marL="0" lvl="0" indent="0" algn="r" rtl="0">
               <a:lnSpc>
                 <a:spcPct val="150000"/>
               </a:lnSpc>
@@ -15408,7 +15598,7 @@
             <a:endParaRPr sz="2229" dirty="0"/>
           </a:p>
           <a:p>
-            <a:pPr marL="0" lvl="0" indent="0" algn="just" rtl="0">
+            <a:pPr marL="0" lvl="0" indent="0" algn="r" rtl="0">
               <a:lnSpc>
                 <a:spcPct val="150000"/>
               </a:lnSpc>
@@ -15442,7 +15632,7 @@
             </a:r>
           </a:p>
           <a:p>
-            <a:pPr marL="0" lvl="0" indent="0" algn="just">
+            <a:pPr marL="0" lvl="0" indent="0" algn="r">
               <a:lnSpc>
                 <a:spcPct val="150000"/>
               </a:lnSpc>
@@ -15462,7 +15652,7 @@
             <a:endParaRPr sz="2229" dirty="0"/>
           </a:p>
           <a:p>
-            <a:pPr marL="0" lvl="0" indent="0" algn="just" rtl="0">
+            <a:pPr marL="0" lvl="0" indent="0" algn="r" rtl="0">
               <a:lnSpc>
                 <a:spcPct val="150000"/>
               </a:lnSpc>
@@ -15489,7 +15679,7 @@
             <a:endParaRPr sz="2229" dirty="0"/>
           </a:p>
           <a:p>
-            <a:pPr marL="0" lvl="0" indent="0" algn="just" rtl="0">
+            <a:pPr marL="0" lvl="0" indent="0" algn="r" rtl="0">
               <a:lnSpc>
                 <a:spcPct val="150000"/>
               </a:lnSpc>
@@ -15655,6 +15845,30 @@
           </a:p>
         </p:txBody>
       </p:sp>
+      <p:pic>
+        <p:nvPicPr>
+          <p:cNvPr id="2" name="Рисунок 1"/>
+          <p:cNvPicPr>
+            <a:picLocks noChangeAspect="1"/>
+          </p:cNvPicPr>
+          <p:nvPr/>
+        </p:nvPicPr>
+        <p:blipFill>
+          <a:blip r:embed="rId3"/>
+          <a:stretch>
+            <a:fillRect/>
+          </a:stretch>
+        </p:blipFill>
+        <p:spPr>
+          <a:xfrm>
+            <a:off x="195257" y="1307591"/>
+            <a:ext cx="2813119" cy="2701865"/>
+          </a:xfrm>
+          <a:prstGeom prst="rect">
+            <a:avLst/>
+          </a:prstGeom>
+        </p:spPr>
+      </p:pic>
     </p:spTree>
   </p:cSld>
   <p:clrMapOvr>
@@ -15757,114 +15971,68 @@
         </p:spPr>
         <p:txBody>
           <a:bodyPr spcFirstLastPara="1" wrap="square" lIns="91425" tIns="45700" rIns="91425" bIns="45700" anchor="t" anchorCtr="0">
-            <a:normAutofit fontScale="92500"/>
+            <a:normAutofit/>
           </a:bodyPr>
           <a:lstStyle/>
           <a:p>
-            <a:pPr marL="0" lvl="0" indent="0" algn="just" rtl="0">
+            <a:pPr marL="0" lvl="0" indent="457200" algn="just">
               <a:lnSpc>
                 <a:spcPct val="150000"/>
               </a:lnSpc>
               <a:spcBef>
                 <a:spcPts val="0"/>
               </a:spcBef>
-              <a:spcAft>
-                <a:spcPts val="0"/>
-              </a:spcAft>
               <a:buNone/>
             </a:pPr>
             <a:r>
-              <a:rPr lang="ru-RU" sz="2329" dirty="0"/>
-              <a:t>В ходе работы над проектом </a:t>
+              <a:rPr lang="ru-RU" sz="2000" dirty="0" smtClean="0"/>
+              <a:t>На основе полученных теоретических знаний было проведено функциональное тестирование </a:t>
             </a:r>
             <a:r>
-              <a:rPr lang="ru-RU" sz="2329" dirty="0" smtClean="0"/>
-              <a:t>тестировщиком </a:t>
+              <a:rPr lang="ru-RU" sz="2000" dirty="0"/>
+              <a:t>мобильного приложения </a:t>
             </a:r>
             <a:r>
-              <a:rPr lang="ru-RU" sz="2329" dirty="0"/>
-              <a:t>были получены </a:t>
+              <a:rPr lang="en-US" sz="2000" dirty="0"/>
+              <a:t>“</a:t>
             </a:r>
             <a:r>
-              <a:rPr lang="ru-RU" sz="2329" dirty="0" smtClean="0"/>
-              <a:t>базовые</a:t>
+              <a:rPr lang="ru-RU" sz="2000" dirty="0"/>
+              <a:t>СДО Мосполитех</a:t>
             </a:r>
             <a:r>
-              <a:rPr lang="ru-RU" sz="2329" dirty="0"/>
-              <a:t> </a:t>
+              <a:rPr lang="en-US" sz="2000" dirty="0"/>
+              <a:t>” </a:t>
             </a:r>
             <a:r>
-              <a:rPr lang="ru-RU" sz="2329" dirty="0" smtClean="0"/>
-              <a:t>знания </a:t>
+              <a:rPr lang="ru-RU" sz="2000" dirty="0" smtClean="0"/>
+              <a:t>по модели </a:t>
             </a:r>
             <a:r>
-              <a:rPr lang="ru-RU" sz="2329" dirty="0"/>
-              <a:t>о </a:t>
+              <a:rPr lang="en-US" sz="2000" dirty="0" smtClean="0"/>
+              <a:t>“</a:t>
             </a:r>
             <a:r>
-              <a:rPr lang="ru-RU" sz="2329" dirty="0" smtClean="0"/>
-              <a:t>функциональном тестировании мобильных приложений. В ходе</a:t>
+              <a:rPr lang="ru-RU" sz="2000" dirty="0" smtClean="0"/>
+              <a:t>черного ящика</a:t>
             </a:r>
             <a:r>
-              <a:rPr lang="ru-RU" sz="2329" dirty="0"/>
-              <a:t> </a:t>
+              <a:rPr lang="en-US" sz="2000" dirty="0" smtClean="0"/>
+              <a:t>”, </a:t>
             </a:r>
             <a:r>
-              <a:rPr lang="ru-RU" sz="2329" dirty="0" smtClean="0"/>
-              <a:t>выполнения тестирования приложения были выявлены ряд дефектов</a:t>
+              <a:rPr lang="ru-RU" sz="2000" dirty="0" smtClean="0"/>
+              <a:t>т.е. без доступа к коду. Были выявлены ряд серьёзных дефектов</a:t>
             </a:r>
             <a:r>
-              <a:rPr lang="en-US" sz="2329" dirty="0" smtClean="0"/>
+              <a:rPr lang="en-US" sz="2000" dirty="0" smtClean="0"/>
               <a:t>, </a:t>
             </a:r>
             <a:r>
-              <a:rPr lang="ru-RU" sz="2329" dirty="0" smtClean="0"/>
-              <a:t>решение которых поможет команде разработчиков создать рабочее приложение</a:t>
+              <a:rPr lang="ru-RU" sz="2000" dirty="0" smtClean="0"/>
+              <a:t>приводящих приложение в нерабочее состояние. </a:t>
             </a:r>
-            <a:r>
-              <a:rPr lang="ru-RU" sz="2329" dirty="0" smtClean="0"/>
-              <a:t>. Тестировщик обрел навыки работы с</a:t>
-            </a:r>
-            <a:r>
-              <a:rPr lang="ru-RU" sz="2329" dirty="0"/>
-              <a:t> </a:t>
-            </a:r>
-            <a:r>
-              <a:rPr lang="ru-RU" sz="2329" dirty="0" smtClean="0"/>
-              <a:t>инструментами </a:t>
-            </a:r>
-            <a:r>
-              <a:rPr lang="ru-RU" sz="2329" dirty="0"/>
-              <a:t>для </a:t>
-            </a:r>
-            <a:r>
-              <a:rPr lang="ru-RU" sz="2329" dirty="0" smtClean="0"/>
-              <a:t>ручного тестирования </a:t>
-            </a:r>
-            <a:r>
-              <a:rPr lang="ru-RU" sz="2329" dirty="0"/>
-              <a:t>и </a:t>
-            </a:r>
-            <a:r>
-              <a:rPr lang="ru-RU" sz="2329" dirty="0" smtClean="0"/>
-              <a:t>методами ведения стратегии тестирования.</a:t>
-            </a:r>
-            <a:endParaRPr sz="2329" dirty="0"/>
-          </a:p>
-          <a:p>
-            <a:pPr marL="0" lvl="0" indent="0" algn="l" rtl="0">
-              <a:lnSpc>
-                <a:spcPct val="150000"/>
-              </a:lnSpc>
-              <a:spcBef>
-                <a:spcPts val="0"/>
-              </a:spcBef>
-              <a:spcAft>
-                <a:spcPts val="0"/>
-              </a:spcAft>
-              <a:buNone/>
-            </a:pPr>
-            <a:endParaRPr sz="2200" dirty="0"/>
+            <a:endParaRPr sz="2000" dirty="0"/>
           </a:p>
         </p:txBody>
       </p:sp>
@@ -15969,6 +16137,47 @@
           </a:p>
         </p:txBody>
       </p:sp>
+      <p:pic>
+        <p:nvPicPr>
+          <p:cNvPr id="7170" name="Picture 2" descr="Informe - Iconos gratis de archivos y carpetas"/>
+          <p:cNvPicPr>
+            <a:picLocks noChangeAspect="1" noChangeArrowheads="1"/>
+          </p:cNvPicPr>
+          <p:nvPr/>
+        </p:nvPicPr>
+        <p:blipFill>
+          <a:blip r:embed="rId3">
+            <a:extLst>
+              <a:ext uri="{28A0092B-C50C-407E-A947-70E740481C1C}">
+                <a14:useLocalDpi xmlns:a14="http://schemas.microsoft.com/office/drawing/2010/main" val="0"/>
+              </a:ext>
+            </a:extLst>
+          </a:blip>
+          <a:srcRect/>
+          <a:stretch>
+            <a:fillRect/>
+          </a:stretch>
+        </p:blipFill>
+        <p:spPr bwMode="auto">
+          <a:xfrm>
+            <a:off x="5586983" y="3603890"/>
+            <a:ext cx="2752345" cy="2752345"/>
+          </a:xfrm>
+          <a:prstGeom prst="rect">
+            <a:avLst/>
+          </a:prstGeom>
+          <a:noFill/>
+          <a:extLst>
+            <a:ext uri="{909E8E84-426E-40DD-AFC4-6F175D3DCCD1}">
+              <a14:hiddenFill xmlns:a14="http://schemas.microsoft.com/office/drawing/2010/main">
+                <a:solidFill>
+                  <a:srgbClr val="FFFFFF"/>
+                </a:solidFill>
+              </a14:hiddenFill>
+            </a:ext>
+          </a:extLst>
+        </p:spPr>
+      </p:pic>
     </p:spTree>
   </p:cSld>
   <p:clrMapOvr>
